--- a/ppt 16-9/1589.在祂没有难成.pptx
+++ b/ppt 16-9/1589.在祂没有难成.pptx
@@ -5,7 +5,7 @@
     <p:sldMasterId id="2147483648" r:id="rId1"/>
   </p:sldMasterIdLst>
   <p:sldIdLst>
-    <p:sldId id="3447" r:id="rId2"/>
+    <p:sldId id="3448" r:id="rId2"/>
   </p:sldIdLst>
   <p:sldSz cx="12192000" cy="6858000"/>
   <p:notesSz cx="6858000" cy="9144000"/>
@@ -129,7 +129,7 @@
           <p:cNvPr id="2" name="标题 1">
             <a:extLst>
               <a:ext uri="{FF2B5EF4-FFF2-40B4-BE49-F238E27FC236}">
-                <a16:creationId xmlns:a16="http://schemas.microsoft.com/office/drawing/2014/main" id="{B9931A09-2B56-1C38-F315-1D80EA6E2E1F}"/>
+                <a16:creationId xmlns:a16="http://schemas.microsoft.com/office/drawing/2014/main" id="{3DA14AD8-CD90-77E5-DBAD-9B8B6CEBA9B3}"/>
               </a:ext>
             </a:extLst>
           </p:cNvPr>
@@ -166,7 +166,7 @@
           <p:cNvPr id="3" name="副标题 2">
             <a:extLst>
               <a:ext uri="{FF2B5EF4-FFF2-40B4-BE49-F238E27FC236}">
-                <a16:creationId xmlns:a16="http://schemas.microsoft.com/office/drawing/2014/main" id="{9CAE3532-DB22-3DA8-9198-AE2DB8B5666F}"/>
+                <a16:creationId xmlns:a16="http://schemas.microsoft.com/office/drawing/2014/main" id="{DB22F172-67F0-A45D-DFA9-6E5BD8940979}"/>
               </a:ext>
             </a:extLst>
           </p:cNvPr>
@@ -236,7 +236,7 @@
           <p:cNvPr id="4" name="日期占位符 3">
             <a:extLst>
               <a:ext uri="{FF2B5EF4-FFF2-40B4-BE49-F238E27FC236}">
-                <a16:creationId xmlns:a16="http://schemas.microsoft.com/office/drawing/2014/main" id="{3BE03E9B-CA28-65AE-A768-808F0E831BC2}"/>
+                <a16:creationId xmlns:a16="http://schemas.microsoft.com/office/drawing/2014/main" id="{3C4AD97D-4C76-68C5-60BC-0C29FACFE251}"/>
               </a:ext>
             </a:extLst>
           </p:cNvPr>
@@ -252,7 +252,7 @@
           <a:bodyPr/>
           <a:lstStyle/>
           <a:p>
-            <a:fld id="{ABF252B9-8E43-4310-B8B5-CCE905A823A3}" type="datetimeFigureOut">
+            <a:fld id="{BB0294CE-F299-4263-A440-F6E1A7011C9D}" type="datetimeFigureOut">
               <a:rPr lang="zh-CN" altLang="en-US" smtClean="0"/>
               <a:t>2024/3/10</a:t>
             </a:fld>
@@ -265,7 +265,7 @@
           <p:cNvPr id="5" name="页脚占位符 4">
             <a:extLst>
               <a:ext uri="{FF2B5EF4-FFF2-40B4-BE49-F238E27FC236}">
-                <a16:creationId xmlns:a16="http://schemas.microsoft.com/office/drawing/2014/main" id="{CF6CFF26-B1AD-B7B2-8A54-0E28D005E606}"/>
+                <a16:creationId xmlns:a16="http://schemas.microsoft.com/office/drawing/2014/main" id="{013BB930-991A-07A0-3A90-FF0905CBE8B7}"/>
               </a:ext>
             </a:extLst>
           </p:cNvPr>
@@ -290,7 +290,7 @@
           <p:cNvPr id="6" name="灯片编号占位符 5">
             <a:extLst>
               <a:ext uri="{FF2B5EF4-FFF2-40B4-BE49-F238E27FC236}">
-                <a16:creationId xmlns:a16="http://schemas.microsoft.com/office/drawing/2014/main" id="{7A5927DC-0F71-B996-726F-08C2151D9A19}"/>
+                <a16:creationId xmlns:a16="http://schemas.microsoft.com/office/drawing/2014/main" id="{BF4017C2-1322-366B-336C-E731373E5319}"/>
               </a:ext>
             </a:extLst>
           </p:cNvPr>
@@ -306,7 +306,7 @@
           <a:bodyPr/>
           <a:lstStyle/>
           <a:p>
-            <a:fld id="{315A110D-CD08-4B7A-BBA2-4D0516D72A64}" type="slidenum">
+            <a:fld id="{228B57C3-F726-490B-99DF-B367312F5154}" type="slidenum">
               <a:rPr lang="zh-CN" altLang="en-US" smtClean="0"/>
               <a:t>‹#›</a:t>
             </a:fld>
@@ -317,7 +317,7 @@
     </p:spTree>
     <p:extLst>
       <p:ext uri="{BB962C8B-B14F-4D97-AF65-F5344CB8AC3E}">
-        <p14:creationId xmlns:p14="http://schemas.microsoft.com/office/powerpoint/2010/main" val="3093392230"/>
+        <p14:creationId xmlns:p14="http://schemas.microsoft.com/office/powerpoint/2010/main" val="523804693"/>
       </p:ext>
     </p:extLst>
   </p:cSld>
@@ -349,7 +349,7 @@
           <p:cNvPr id="2" name="标题 1">
             <a:extLst>
               <a:ext uri="{FF2B5EF4-FFF2-40B4-BE49-F238E27FC236}">
-                <a16:creationId xmlns:a16="http://schemas.microsoft.com/office/drawing/2014/main" id="{897D0586-0137-8970-A83C-0080F9C2FB30}"/>
+                <a16:creationId xmlns:a16="http://schemas.microsoft.com/office/drawing/2014/main" id="{5D7B11E1-3041-27F4-B846-6C3E77952462}"/>
               </a:ext>
             </a:extLst>
           </p:cNvPr>
@@ -377,7 +377,7 @@
           <p:cNvPr id="3" name="竖排文字占位符 2">
             <a:extLst>
               <a:ext uri="{FF2B5EF4-FFF2-40B4-BE49-F238E27FC236}">
-                <a16:creationId xmlns:a16="http://schemas.microsoft.com/office/drawing/2014/main" id="{4D888F7C-3599-AAE6-1022-D94DE7F292DD}"/>
+                <a16:creationId xmlns:a16="http://schemas.microsoft.com/office/drawing/2014/main" id="{C17C1459-1EFC-3832-36E8-1E0195BA1971}"/>
               </a:ext>
             </a:extLst>
           </p:cNvPr>
@@ -434,7 +434,7 @@
           <p:cNvPr id="4" name="日期占位符 3">
             <a:extLst>
               <a:ext uri="{FF2B5EF4-FFF2-40B4-BE49-F238E27FC236}">
-                <a16:creationId xmlns:a16="http://schemas.microsoft.com/office/drawing/2014/main" id="{74366D8D-C892-01BD-FF9E-772D3DDE29EB}"/>
+                <a16:creationId xmlns:a16="http://schemas.microsoft.com/office/drawing/2014/main" id="{70BD9DA5-99CB-FF72-E33F-9AA57B3AA9DC}"/>
               </a:ext>
             </a:extLst>
           </p:cNvPr>
@@ -450,7 +450,7 @@
           <a:bodyPr/>
           <a:lstStyle/>
           <a:p>
-            <a:fld id="{ABF252B9-8E43-4310-B8B5-CCE905A823A3}" type="datetimeFigureOut">
+            <a:fld id="{BB0294CE-F299-4263-A440-F6E1A7011C9D}" type="datetimeFigureOut">
               <a:rPr lang="zh-CN" altLang="en-US" smtClean="0"/>
               <a:t>2024/3/10</a:t>
             </a:fld>
@@ -463,7 +463,7 @@
           <p:cNvPr id="5" name="页脚占位符 4">
             <a:extLst>
               <a:ext uri="{FF2B5EF4-FFF2-40B4-BE49-F238E27FC236}">
-                <a16:creationId xmlns:a16="http://schemas.microsoft.com/office/drawing/2014/main" id="{1F5AF469-5D73-E995-0CD5-C3445DA2F8E9}"/>
+                <a16:creationId xmlns:a16="http://schemas.microsoft.com/office/drawing/2014/main" id="{250B2BC5-3B58-1E36-CE42-E666B8E187B3}"/>
               </a:ext>
             </a:extLst>
           </p:cNvPr>
@@ -488,7 +488,7 @@
           <p:cNvPr id="6" name="灯片编号占位符 5">
             <a:extLst>
               <a:ext uri="{FF2B5EF4-FFF2-40B4-BE49-F238E27FC236}">
-                <a16:creationId xmlns:a16="http://schemas.microsoft.com/office/drawing/2014/main" id="{731FA5A8-6F40-DD0C-FC5A-4EAFF89992A7}"/>
+                <a16:creationId xmlns:a16="http://schemas.microsoft.com/office/drawing/2014/main" id="{C1F7EFE1-76DF-B265-F26B-3A2C76D2DADF}"/>
               </a:ext>
             </a:extLst>
           </p:cNvPr>
@@ -504,7 +504,7 @@
           <a:bodyPr/>
           <a:lstStyle/>
           <a:p>
-            <a:fld id="{315A110D-CD08-4B7A-BBA2-4D0516D72A64}" type="slidenum">
+            <a:fld id="{228B57C3-F726-490B-99DF-B367312F5154}" type="slidenum">
               <a:rPr lang="zh-CN" altLang="en-US" smtClean="0"/>
               <a:t>‹#›</a:t>
             </a:fld>
@@ -515,7 +515,7 @@
     </p:spTree>
     <p:extLst>
       <p:ext uri="{BB962C8B-B14F-4D97-AF65-F5344CB8AC3E}">
-        <p14:creationId xmlns:p14="http://schemas.microsoft.com/office/powerpoint/2010/main" val="161670325"/>
+        <p14:creationId xmlns:p14="http://schemas.microsoft.com/office/powerpoint/2010/main" val="55926699"/>
       </p:ext>
     </p:extLst>
   </p:cSld>
@@ -547,7 +547,7 @@
           <p:cNvPr id="2" name="竖排标题 1">
             <a:extLst>
               <a:ext uri="{FF2B5EF4-FFF2-40B4-BE49-F238E27FC236}">
-                <a16:creationId xmlns:a16="http://schemas.microsoft.com/office/drawing/2014/main" id="{AA66A037-3CDC-D739-FABF-25C746C66744}"/>
+                <a16:creationId xmlns:a16="http://schemas.microsoft.com/office/drawing/2014/main" id="{582C37DB-6F5D-C0F4-49A3-70E5E5F50A6F}"/>
               </a:ext>
             </a:extLst>
           </p:cNvPr>
@@ -580,7 +580,7 @@
           <p:cNvPr id="3" name="竖排文字占位符 2">
             <a:extLst>
               <a:ext uri="{FF2B5EF4-FFF2-40B4-BE49-F238E27FC236}">
-                <a16:creationId xmlns:a16="http://schemas.microsoft.com/office/drawing/2014/main" id="{D16BF83B-470E-06A2-745A-CD3CE7BA76E7}"/>
+                <a16:creationId xmlns:a16="http://schemas.microsoft.com/office/drawing/2014/main" id="{E29CA622-11E6-CC1C-3F63-92514F6DC8ED}"/>
               </a:ext>
             </a:extLst>
           </p:cNvPr>
@@ -642,7 +642,7 @@
           <p:cNvPr id="4" name="日期占位符 3">
             <a:extLst>
               <a:ext uri="{FF2B5EF4-FFF2-40B4-BE49-F238E27FC236}">
-                <a16:creationId xmlns:a16="http://schemas.microsoft.com/office/drawing/2014/main" id="{95DA744D-2AD7-DAF1-6D88-4B6116549DDB}"/>
+                <a16:creationId xmlns:a16="http://schemas.microsoft.com/office/drawing/2014/main" id="{197FA698-F30A-A2E1-1D4A-8112E0F55186}"/>
               </a:ext>
             </a:extLst>
           </p:cNvPr>
@@ -658,7 +658,7 @@
           <a:bodyPr/>
           <a:lstStyle/>
           <a:p>
-            <a:fld id="{ABF252B9-8E43-4310-B8B5-CCE905A823A3}" type="datetimeFigureOut">
+            <a:fld id="{BB0294CE-F299-4263-A440-F6E1A7011C9D}" type="datetimeFigureOut">
               <a:rPr lang="zh-CN" altLang="en-US" smtClean="0"/>
               <a:t>2024/3/10</a:t>
             </a:fld>
@@ -671,7 +671,7 @@
           <p:cNvPr id="5" name="页脚占位符 4">
             <a:extLst>
               <a:ext uri="{FF2B5EF4-FFF2-40B4-BE49-F238E27FC236}">
-                <a16:creationId xmlns:a16="http://schemas.microsoft.com/office/drawing/2014/main" id="{C0A3C840-A7FF-AD28-A35B-FF4416186B11}"/>
+                <a16:creationId xmlns:a16="http://schemas.microsoft.com/office/drawing/2014/main" id="{5F7452A3-4BB2-4EAD-F261-74E0D6A605D0}"/>
               </a:ext>
             </a:extLst>
           </p:cNvPr>
@@ -696,7 +696,7 @@
           <p:cNvPr id="6" name="灯片编号占位符 5">
             <a:extLst>
               <a:ext uri="{FF2B5EF4-FFF2-40B4-BE49-F238E27FC236}">
-                <a16:creationId xmlns:a16="http://schemas.microsoft.com/office/drawing/2014/main" id="{3A4F1AD7-7E39-BED9-3F60-35C15ED6EEFF}"/>
+                <a16:creationId xmlns:a16="http://schemas.microsoft.com/office/drawing/2014/main" id="{8AB39091-A38E-E722-EBEB-71C385E9A849}"/>
               </a:ext>
             </a:extLst>
           </p:cNvPr>
@@ -712,7 +712,7 @@
           <a:bodyPr/>
           <a:lstStyle/>
           <a:p>
-            <a:fld id="{315A110D-CD08-4B7A-BBA2-4D0516D72A64}" type="slidenum">
+            <a:fld id="{228B57C3-F726-490B-99DF-B367312F5154}" type="slidenum">
               <a:rPr lang="zh-CN" altLang="en-US" smtClean="0"/>
               <a:t>‹#›</a:t>
             </a:fld>
@@ -723,7 +723,7 @@
     </p:spTree>
     <p:extLst>
       <p:ext uri="{BB962C8B-B14F-4D97-AF65-F5344CB8AC3E}">
-        <p14:creationId xmlns:p14="http://schemas.microsoft.com/office/powerpoint/2010/main" val="1324247607"/>
+        <p14:creationId xmlns:p14="http://schemas.microsoft.com/office/powerpoint/2010/main" val="510636728"/>
       </p:ext>
     </p:extLst>
   </p:cSld>
@@ -755,7 +755,7 @@
           <p:cNvPr id="2" name="标题 1">
             <a:extLst>
               <a:ext uri="{FF2B5EF4-FFF2-40B4-BE49-F238E27FC236}">
-                <a16:creationId xmlns:a16="http://schemas.microsoft.com/office/drawing/2014/main" id="{2135AD93-C9F1-F848-1009-E6949A659D6A}"/>
+                <a16:creationId xmlns:a16="http://schemas.microsoft.com/office/drawing/2014/main" id="{EEC2A24C-9C58-64F7-0073-BF9EAD6252E1}"/>
               </a:ext>
             </a:extLst>
           </p:cNvPr>
@@ -783,7 +783,7 @@
           <p:cNvPr id="3" name="内容占位符 2">
             <a:extLst>
               <a:ext uri="{FF2B5EF4-FFF2-40B4-BE49-F238E27FC236}">
-                <a16:creationId xmlns:a16="http://schemas.microsoft.com/office/drawing/2014/main" id="{B5C48F76-E41F-E6D5-5181-A39320B14452}"/>
+                <a16:creationId xmlns:a16="http://schemas.microsoft.com/office/drawing/2014/main" id="{FD7C48FF-C678-8361-B15E-0562355C8B4A}"/>
               </a:ext>
             </a:extLst>
           </p:cNvPr>
@@ -840,7 +840,7 @@
           <p:cNvPr id="4" name="日期占位符 3">
             <a:extLst>
               <a:ext uri="{FF2B5EF4-FFF2-40B4-BE49-F238E27FC236}">
-                <a16:creationId xmlns:a16="http://schemas.microsoft.com/office/drawing/2014/main" id="{390A6A5E-E9BA-4C82-C54D-CE2064716FCC}"/>
+                <a16:creationId xmlns:a16="http://schemas.microsoft.com/office/drawing/2014/main" id="{BF38B61E-1BBD-6B7C-736D-F315767F962C}"/>
               </a:ext>
             </a:extLst>
           </p:cNvPr>
@@ -856,7 +856,7 @@
           <a:bodyPr/>
           <a:lstStyle/>
           <a:p>
-            <a:fld id="{ABF252B9-8E43-4310-B8B5-CCE905A823A3}" type="datetimeFigureOut">
+            <a:fld id="{BB0294CE-F299-4263-A440-F6E1A7011C9D}" type="datetimeFigureOut">
               <a:rPr lang="zh-CN" altLang="en-US" smtClean="0"/>
               <a:t>2024/3/10</a:t>
             </a:fld>
@@ -869,7 +869,7 @@
           <p:cNvPr id="5" name="页脚占位符 4">
             <a:extLst>
               <a:ext uri="{FF2B5EF4-FFF2-40B4-BE49-F238E27FC236}">
-                <a16:creationId xmlns:a16="http://schemas.microsoft.com/office/drawing/2014/main" id="{189B3099-95C0-EEAD-18CF-9399ECE0DE14}"/>
+                <a16:creationId xmlns:a16="http://schemas.microsoft.com/office/drawing/2014/main" id="{28AF2A85-C441-8AD6-C76B-054CCE4DEAC6}"/>
               </a:ext>
             </a:extLst>
           </p:cNvPr>
@@ -894,7 +894,7 @@
           <p:cNvPr id="6" name="灯片编号占位符 5">
             <a:extLst>
               <a:ext uri="{FF2B5EF4-FFF2-40B4-BE49-F238E27FC236}">
-                <a16:creationId xmlns:a16="http://schemas.microsoft.com/office/drawing/2014/main" id="{23F5CC48-9562-FF9B-2764-5013064D6FD4}"/>
+                <a16:creationId xmlns:a16="http://schemas.microsoft.com/office/drawing/2014/main" id="{477D7B03-45EC-377D-62C6-6BDDF639CBAA}"/>
               </a:ext>
             </a:extLst>
           </p:cNvPr>
@@ -910,7 +910,7 @@
           <a:bodyPr/>
           <a:lstStyle/>
           <a:p>
-            <a:fld id="{315A110D-CD08-4B7A-BBA2-4D0516D72A64}" type="slidenum">
+            <a:fld id="{228B57C3-F726-490B-99DF-B367312F5154}" type="slidenum">
               <a:rPr lang="zh-CN" altLang="en-US" smtClean="0"/>
               <a:t>‹#›</a:t>
             </a:fld>
@@ -921,7 +921,7 @@
     </p:spTree>
     <p:extLst>
       <p:ext uri="{BB962C8B-B14F-4D97-AF65-F5344CB8AC3E}">
-        <p14:creationId xmlns:p14="http://schemas.microsoft.com/office/powerpoint/2010/main" val="4042190259"/>
+        <p14:creationId xmlns:p14="http://schemas.microsoft.com/office/powerpoint/2010/main" val="1794158592"/>
       </p:ext>
     </p:extLst>
   </p:cSld>
@@ -953,7 +953,7 @@
           <p:cNvPr id="2" name="标题 1">
             <a:extLst>
               <a:ext uri="{FF2B5EF4-FFF2-40B4-BE49-F238E27FC236}">
-                <a16:creationId xmlns:a16="http://schemas.microsoft.com/office/drawing/2014/main" id="{BE46FB58-5046-22C5-0F3C-0B302A91CCEC}"/>
+                <a16:creationId xmlns:a16="http://schemas.microsoft.com/office/drawing/2014/main" id="{905CA6C8-AE58-1341-20D0-770CB77824BA}"/>
               </a:ext>
             </a:extLst>
           </p:cNvPr>
@@ -990,7 +990,7 @@
           <p:cNvPr id="3" name="文本占位符 2">
             <a:extLst>
               <a:ext uri="{FF2B5EF4-FFF2-40B4-BE49-F238E27FC236}">
-                <a16:creationId xmlns:a16="http://schemas.microsoft.com/office/drawing/2014/main" id="{7EE67EC7-A400-3F14-B2FE-CD25C0EBEEAD}"/>
+                <a16:creationId xmlns:a16="http://schemas.microsoft.com/office/drawing/2014/main" id="{8D5458F5-6CE3-C92E-338D-3F12C8223DAE}"/>
               </a:ext>
             </a:extLst>
           </p:cNvPr>
@@ -1115,7 +1115,7 @@
           <p:cNvPr id="4" name="日期占位符 3">
             <a:extLst>
               <a:ext uri="{FF2B5EF4-FFF2-40B4-BE49-F238E27FC236}">
-                <a16:creationId xmlns:a16="http://schemas.microsoft.com/office/drawing/2014/main" id="{2DAE637D-8837-05B8-61BC-752EB2AAC404}"/>
+                <a16:creationId xmlns:a16="http://schemas.microsoft.com/office/drawing/2014/main" id="{07E9E6F1-3F3D-C5ED-EF40-6389C1DB6BE4}"/>
               </a:ext>
             </a:extLst>
           </p:cNvPr>
@@ -1131,7 +1131,7 @@
           <a:bodyPr/>
           <a:lstStyle/>
           <a:p>
-            <a:fld id="{ABF252B9-8E43-4310-B8B5-CCE905A823A3}" type="datetimeFigureOut">
+            <a:fld id="{BB0294CE-F299-4263-A440-F6E1A7011C9D}" type="datetimeFigureOut">
               <a:rPr lang="zh-CN" altLang="en-US" smtClean="0"/>
               <a:t>2024/3/10</a:t>
             </a:fld>
@@ -1144,7 +1144,7 @@
           <p:cNvPr id="5" name="页脚占位符 4">
             <a:extLst>
               <a:ext uri="{FF2B5EF4-FFF2-40B4-BE49-F238E27FC236}">
-                <a16:creationId xmlns:a16="http://schemas.microsoft.com/office/drawing/2014/main" id="{25626607-928B-1FEB-604B-512844EC0504}"/>
+                <a16:creationId xmlns:a16="http://schemas.microsoft.com/office/drawing/2014/main" id="{F6ED7D2F-4A42-5A17-7747-CD1E417ADD11}"/>
               </a:ext>
             </a:extLst>
           </p:cNvPr>
@@ -1169,7 +1169,7 @@
           <p:cNvPr id="6" name="灯片编号占位符 5">
             <a:extLst>
               <a:ext uri="{FF2B5EF4-FFF2-40B4-BE49-F238E27FC236}">
-                <a16:creationId xmlns:a16="http://schemas.microsoft.com/office/drawing/2014/main" id="{4303F96A-7CEE-8DF7-1646-4EE972F64C68}"/>
+                <a16:creationId xmlns:a16="http://schemas.microsoft.com/office/drawing/2014/main" id="{EC0AD96F-8369-B64B-B3BF-31EADF69615C}"/>
               </a:ext>
             </a:extLst>
           </p:cNvPr>
@@ -1185,7 +1185,7 @@
           <a:bodyPr/>
           <a:lstStyle/>
           <a:p>
-            <a:fld id="{315A110D-CD08-4B7A-BBA2-4D0516D72A64}" type="slidenum">
+            <a:fld id="{228B57C3-F726-490B-99DF-B367312F5154}" type="slidenum">
               <a:rPr lang="zh-CN" altLang="en-US" smtClean="0"/>
               <a:t>‹#›</a:t>
             </a:fld>
@@ -1196,7 +1196,7 @@
     </p:spTree>
     <p:extLst>
       <p:ext uri="{BB962C8B-B14F-4D97-AF65-F5344CB8AC3E}">
-        <p14:creationId xmlns:p14="http://schemas.microsoft.com/office/powerpoint/2010/main" val="4272779727"/>
+        <p14:creationId xmlns:p14="http://schemas.microsoft.com/office/powerpoint/2010/main" val="2571817694"/>
       </p:ext>
     </p:extLst>
   </p:cSld>
@@ -1228,7 +1228,7 @@
           <p:cNvPr id="2" name="标题 1">
             <a:extLst>
               <a:ext uri="{FF2B5EF4-FFF2-40B4-BE49-F238E27FC236}">
-                <a16:creationId xmlns:a16="http://schemas.microsoft.com/office/drawing/2014/main" id="{FE292050-FA30-B8C7-1B29-25E22E09DEB8}"/>
+                <a16:creationId xmlns:a16="http://schemas.microsoft.com/office/drawing/2014/main" id="{12A432B5-4C67-CC25-845D-E0DA6443ACA1}"/>
               </a:ext>
             </a:extLst>
           </p:cNvPr>
@@ -1256,7 +1256,7 @@
           <p:cNvPr id="3" name="内容占位符 2">
             <a:extLst>
               <a:ext uri="{FF2B5EF4-FFF2-40B4-BE49-F238E27FC236}">
-                <a16:creationId xmlns:a16="http://schemas.microsoft.com/office/drawing/2014/main" id="{D19D0338-FC38-A726-9CF3-FF9BCEAD98FF}"/>
+                <a16:creationId xmlns:a16="http://schemas.microsoft.com/office/drawing/2014/main" id="{85B379ED-31FA-011A-2B55-1D4B2EC58AEC}"/>
               </a:ext>
             </a:extLst>
           </p:cNvPr>
@@ -1318,7 +1318,7 @@
           <p:cNvPr id="4" name="内容占位符 3">
             <a:extLst>
               <a:ext uri="{FF2B5EF4-FFF2-40B4-BE49-F238E27FC236}">
-                <a16:creationId xmlns:a16="http://schemas.microsoft.com/office/drawing/2014/main" id="{83657AEE-342D-9484-D479-AA1F594BBCF8}"/>
+                <a16:creationId xmlns:a16="http://schemas.microsoft.com/office/drawing/2014/main" id="{227CF599-42CF-C33D-7635-7E63F7085CCE}"/>
               </a:ext>
             </a:extLst>
           </p:cNvPr>
@@ -1380,7 +1380,7 @@
           <p:cNvPr id="5" name="日期占位符 4">
             <a:extLst>
               <a:ext uri="{FF2B5EF4-FFF2-40B4-BE49-F238E27FC236}">
-                <a16:creationId xmlns:a16="http://schemas.microsoft.com/office/drawing/2014/main" id="{52458570-6AB3-6876-5377-985D99823DC9}"/>
+                <a16:creationId xmlns:a16="http://schemas.microsoft.com/office/drawing/2014/main" id="{5B32955C-D9F2-629C-29BB-B110654CF63A}"/>
               </a:ext>
             </a:extLst>
           </p:cNvPr>
@@ -1396,7 +1396,7 @@
           <a:bodyPr/>
           <a:lstStyle/>
           <a:p>
-            <a:fld id="{ABF252B9-8E43-4310-B8B5-CCE905A823A3}" type="datetimeFigureOut">
+            <a:fld id="{BB0294CE-F299-4263-A440-F6E1A7011C9D}" type="datetimeFigureOut">
               <a:rPr lang="zh-CN" altLang="en-US" smtClean="0"/>
               <a:t>2024/3/10</a:t>
             </a:fld>
@@ -1409,7 +1409,7 @@
           <p:cNvPr id="6" name="页脚占位符 5">
             <a:extLst>
               <a:ext uri="{FF2B5EF4-FFF2-40B4-BE49-F238E27FC236}">
-                <a16:creationId xmlns:a16="http://schemas.microsoft.com/office/drawing/2014/main" id="{A386904C-D3E1-E359-D039-52EF783B8CB6}"/>
+                <a16:creationId xmlns:a16="http://schemas.microsoft.com/office/drawing/2014/main" id="{CA18644C-6DBC-0B8D-60B6-11A4640FB8AC}"/>
               </a:ext>
             </a:extLst>
           </p:cNvPr>
@@ -1434,7 +1434,7 @@
           <p:cNvPr id="7" name="灯片编号占位符 6">
             <a:extLst>
               <a:ext uri="{FF2B5EF4-FFF2-40B4-BE49-F238E27FC236}">
-                <a16:creationId xmlns:a16="http://schemas.microsoft.com/office/drawing/2014/main" id="{6A02EBFE-2C5D-33E3-0DB1-209333FB0CE8}"/>
+                <a16:creationId xmlns:a16="http://schemas.microsoft.com/office/drawing/2014/main" id="{20ED7757-195B-AF0B-7DB1-45E8E9527317}"/>
               </a:ext>
             </a:extLst>
           </p:cNvPr>
@@ -1450,7 +1450,7 @@
           <a:bodyPr/>
           <a:lstStyle/>
           <a:p>
-            <a:fld id="{315A110D-CD08-4B7A-BBA2-4D0516D72A64}" type="slidenum">
+            <a:fld id="{228B57C3-F726-490B-99DF-B367312F5154}" type="slidenum">
               <a:rPr lang="zh-CN" altLang="en-US" smtClean="0"/>
               <a:t>‹#›</a:t>
             </a:fld>
@@ -1461,7 +1461,7 @@
     </p:spTree>
     <p:extLst>
       <p:ext uri="{BB962C8B-B14F-4D97-AF65-F5344CB8AC3E}">
-        <p14:creationId xmlns:p14="http://schemas.microsoft.com/office/powerpoint/2010/main" val="4161204617"/>
+        <p14:creationId xmlns:p14="http://schemas.microsoft.com/office/powerpoint/2010/main" val="472682746"/>
       </p:ext>
     </p:extLst>
   </p:cSld>
@@ -1493,7 +1493,7 @@
           <p:cNvPr id="2" name="标题 1">
             <a:extLst>
               <a:ext uri="{FF2B5EF4-FFF2-40B4-BE49-F238E27FC236}">
-                <a16:creationId xmlns:a16="http://schemas.microsoft.com/office/drawing/2014/main" id="{20B92AF3-0CE7-296C-D8F6-5E3599BD984D}"/>
+                <a16:creationId xmlns:a16="http://schemas.microsoft.com/office/drawing/2014/main" id="{B2047BDA-F699-DDD4-4361-626A1A56BFFD}"/>
               </a:ext>
             </a:extLst>
           </p:cNvPr>
@@ -1526,7 +1526,7 @@
           <p:cNvPr id="3" name="文本占位符 2">
             <a:extLst>
               <a:ext uri="{FF2B5EF4-FFF2-40B4-BE49-F238E27FC236}">
-                <a16:creationId xmlns:a16="http://schemas.microsoft.com/office/drawing/2014/main" id="{B9B31A1F-6CDF-DBED-18E9-19A88965E872}"/>
+                <a16:creationId xmlns:a16="http://schemas.microsoft.com/office/drawing/2014/main" id="{8E536BC5-7834-3B8B-33EC-8FFC029D1465}"/>
               </a:ext>
             </a:extLst>
           </p:cNvPr>
@@ -1597,7 +1597,7 @@
           <p:cNvPr id="4" name="内容占位符 3">
             <a:extLst>
               <a:ext uri="{FF2B5EF4-FFF2-40B4-BE49-F238E27FC236}">
-                <a16:creationId xmlns:a16="http://schemas.microsoft.com/office/drawing/2014/main" id="{69F26745-4D86-4219-9FDE-A9D953881EEC}"/>
+                <a16:creationId xmlns:a16="http://schemas.microsoft.com/office/drawing/2014/main" id="{2DE59049-FEA1-3F63-2025-1684C8C6DB0C}"/>
               </a:ext>
             </a:extLst>
           </p:cNvPr>
@@ -1659,7 +1659,7 @@
           <p:cNvPr id="5" name="文本占位符 4">
             <a:extLst>
               <a:ext uri="{FF2B5EF4-FFF2-40B4-BE49-F238E27FC236}">
-                <a16:creationId xmlns:a16="http://schemas.microsoft.com/office/drawing/2014/main" id="{1206B21F-4346-305E-B5CF-21A934230102}"/>
+                <a16:creationId xmlns:a16="http://schemas.microsoft.com/office/drawing/2014/main" id="{0086E315-6173-C352-6AA9-1676C81E51A6}"/>
               </a:ext>
             </a:extLst>
           </p:cNvPr>
@@ -1730,7 +1730,7 @@
           <p:cNvPr id="6" name="内容占位符 5">
             <a:extLst>
               <a:ext uri="{FF2B5EF4-FFF2-40B4-BE49-F238E27FC236}">
-                <a16:creationId xmlns:a16="http://schemas.microsoft.com/office/drawing/2014/main" id="{94DDAC40-F3F1-7089-A234-7377D8F15EA7}"/>
+                <a16:creationId xmlns:a16="http://schemas.microsoft.com/office/drawing/2014/main" id="{5C564992-7EA3-C53C-216E-3C8D848629D6}"/>
               </a:ext>
             </a:extLst>
           </p:cNvPr>
@@ -1792,7 +1792,7 @@
           <p:cNvPr id="7" name="日期占位符 6">
             <a:extLst>
               <a:ext uri="{FF2B5EF4-FFF2-40B4-BE49-F238E27FC236}">
-                <a16:creationId xmlns:a16="http://schemas.microsoft.com/office/drawing/2014/main" id="{A0D1D57B-62FA-B139-8C67-9092DCFA0C9D}"/>
+                <a16:creationId xmlns:a16="http://schemas.microsoft.com/office/drawing/2014/main" id="{7F5F5D09-DAC4-9FF0-6AFE-F4AF79553A56}"/>
               </a:ext>
             </a:extLst>
           </p:cNvPr>
@@ -1808,7 +1808,7 @@
           <a:bodyPr/>
           <a:lstStyle/>
           <a:p>
-            <a:fld id="{ABF252B9-8E43-4310-B8B5-CCE905A823A3}" type="datetimeFigureOut">
+            <a:fld id="{BB0294CE-F299-4263-A440-F6E1A7011C9D}" type="datetimeFigureOut">
               <a:rPr lang="zh-CN" altLang="en-US" smtClean="0"/>
               <a:t>2024/3/10</a:t>
             </a:fld>
@@ -1821,7 +1821,7 @@
           <p:cNvPr id="8" name="页脚占位符 7">
             <a:extLst>
               <a:ext uri="{FF2B5EF4-FFF2-40B4-BE49-F238E27FC236}">
-                <a16:creationId xmlns:a16="http://schemas.microsoft.com/office/drawing/2014/main" id="{D010DBBF-E7F0-0AB5-8A33-8B0A43BFBC5A}"/>
+                <a16:creationId xmlns:a16="http://schemas.microsoft.com/office/drawing/2014/main" id="{837F012C-4214-3C72-7941-F90272E77B84}"/>
               </a:ext>
             </a:extLst>
           </p:cNvPr>
@@ -1846,7 +1846,7 @@
           <p:cNvPr id="9" name="灯片编号占位符 8">
             <a:extLst>
               <a:ext uri="{FF2B5EF4-FFF2-40B4-BE49-F238E27FC236}">
-                <a16:creationId xmlns:a16="http://schemas.microsoft.com/office/drawing/2014/main" id="{8C3C5DE5-5EFD-4989-185F-17F1929CBF5E}"/>
+                <a16:creationId xmlns:a16="http://schemas.microsoft.com/office/drawing/2014/main" id="{101E71D9-2BE9-6548-C99F-A4BBE62A514F}"/>
               </a:ext>
             </a:extLst>
           </p:cNvPr>
@@ -1862,7 +1862,7 @@
           <a:bodyPr/>
           <a:lstStyle/>
           <a:p>
-            <a:fld id="{315A110D-CD08-4B7A-BBA2-4D0516D72A64}" type="slidenum">
+            <a:fld id="{228B57C3-F726-490B-99DF-B367312F5154}" type="slidenum">
               <a:rPr lang="zh-CN" altLang="en-US" smtClean="0"/>
               <a:t>‹#›</a:t>
             </a:fld>
@@ -1873,7 +1873,7 @@
     </p:spTree>
     <p:extLst>
       <p:ext uri="{BB962C8B-B14F-4D97-AF65-F5344CB8AC3E}">
-        <p14:creationId xmlns:p14="http://schemas.microsoft.com/office/powerpoint/2010/main" val="4075208429"/>
+        <p14:creationId xmlns:p14="http://schemas.microsoft.com/office/powerpoint/2010/main" val="1623682004"/>
       </p:ext>
     </p:extLst>
   </p:cSld>
@@ -1905,7 +1905,7 @@
           <p:cNvPr id="2" name="标题 1">
             <a:extLst>
               <a:ext uri="{FF2B5EF4-FFF2-40B4-BE49-F238E27FC236}">
-                <a16:creationId xmlns:a16="http://schemas.microsoft.com/office/drawing/2014/main" id="{F0AADBC8-5A79-1949-5346-3DDCD9776019}"/>
+                <a16:creationId xmlns:a16="http://schemas.microsoft.com/office/drawing/2014/main" id="{4186ABDC-4EBB-21F0-D1ED-AD451EF3DCA4}"/>
               </a:ext>
             </a:extLst>
           </p:cNvPr>
@@ -1933,7 +1933,7 @@
           <p:cNvPr id="3" name="日期占位符 2">
             <a:extLst>
               <a:ext uri="{FF2B5EF4-FFF2-40B4-BE49-F238E27FC236}">
-                <a16:creationId xmlns:a16="http://schemas.microsoft.com/office/drawing/2014/main" id="{FE66320F-C52C-9D8A-2A56-FB19371AE3CD}"/>
+                <a16:creationId xmlns:a16="http://schemas.microsoft.com/office/drawing/2014/main" id="{18C0CEB5-7A41-D3AC-2319-6B68A9DA356C}"/>
               </a:ext>
             </a:extLst>
           </p:cNvPr>
@@ -1949,7 +1949,7 @@
           <a:bodyPr/>
           <a:lstStyle/>
           <a:p>
-            <a:fld id="{ABF252B9-8E43-4310-B8B5-CCE905A823A3}" type="datetimeFigureOut">
+            <a:fld id="{BB0294CE-F299-4263-A440-F6E1A7011C9D}" type="datetimeFigureOut">
               <a:rPr lang="zh-CN" altLang="en-US" smtClean="0"/>
               <a:t>2024/3/10</a:t>
             </a:fld>
@@ -1962,7 +1962,7 @@
           <p:cNvPr id="4" name="页脚占位符 3">
             <a:extLst>
               <a:ext uri="{FF2B5EF4-FFF2-40B4-BE49-F238E27FC236}">
-                <a16:creationId xmlns:a16="http://schemas.microsoft.com/office/drawing/2014/main" id="{8C8C6F83-4C05-CA77-00ED-D76352F385B2}"/>
+                <a16:creationId xmlns:a16="http://schemas.microsoft.com/office/drawing/2014/main" id="{83C8D1E2-E257-DEFE-2606-93AC5434D1CC}"/>
               </a:ext>
             </a:extLst>
           </p:cNvPr>
@@ -1987,7 +1987,7 @@
           <p:cNvPr id="5" name="灯片编号占位符 4">
             <a:extLst>
               <a:ext uri="{FF2B5EF4-FFF2-40B4-BE49-F238E27FC236}">
-                <a16:creationId xmlns:a16="http://schemas.microsoft.com/office/drawing/2014/main" id="{248F80FE-8F62-A575-ABAF-6B616501C25E}"/>
+                <a16:creationId xmlns:a16="http://schemas.microsoft.com/office/drawing/2014/main" id="{7E6E8894-EDD1-DCAB-A136-DF94C6F8809F}"/>
               </a:ext>
             </a:extLst>
           </p:cNvPr>
@@ -2003,7 +2003,7 @@
           <a:bodyPr/>
           <a:lstStyle/>
           <a:p>
-            <a:fld id="{315A110D-CD08-4B7A-BBA2-4D0516D72A64}" type="slidenum">
+            <a:fld id="{228B57C3-F726-490B-99DF-B367312F5154}" type="slidenum">
               <a:rPr lang="zh-CN" altLang="en-US" smtClean="0"/>
               <a:t>‹#›</a:t>
             </a:fld>
@@ -2014,7 +2014,7 @@
     </p:spTree>
     <p:extLst>
       <p:ext uri="{BB962C8B-B14F-4D97-AF65-F5344CB8AC3E}">
-        <p14:creationId xmlns:p14="http://schemas.microsoft.com/office/powerpoint/2010/main" val="3403893957"/>
+        <p14:creationId xmlns:p14="http://schemas.microsoft.com/office/powerpoint/2010/main" val="2678803410"/>
       </p:ext>
     </p:extLst>
   </p:cSld>
@@ -2046,7 +2046,7 @@
           <p:cNvPr id="2" name="日期占位符 1">
             <a:extLst>
               <a:ext uri="{FF2B5EF4-FFF2-40B4-BE49-F238E27FC236}">
-                <a16:creationId xmlns:a16="http://schemas.microsoft.com/office/drawing/2014/main" id="{8D9087BF-88B3-379C-F9F7-96B242B2BE84}"/>
+                <a16:creationId xmlns:a16="http://schemas.microsoft.com/office/drawing/2014/main" id="{624D13C9-27B3-9208-8932-7ED557C20648}"/>
               </a:ext>
             </a:extLst>
           </p:cNvPr>
@@ -2062,7 +2062,7 @@
           <a:bodyPr/>
           <a:lstStyle/>
           <a:p>
-            <a:fld id="{ABF252B9-8E43-4310-B8B5-CCE905A823A3}" type="datetimeFigureOut">
+            <a:fld id="{BB0294CE-F299-4263-A440-F6E1A7011C9D}" type="datetimeFigureOut">
               <a:rPr lang="zh-CN" altLang="en-US" smtClean="0"/>
               <a:t>2024/3/10</a:t>
             </a:fld>
@@ -2075,7 +2075,7 @@
           <p:cNvPr id="3" name="页脚占位符 2">
             <a:extLst>
               <a:ext uri="{FF2B5EF4-FFF2-40B4-BE49-F238E27FC236}">
-                <a16:creationId xmlns:a16="http://schemas.microsoft.com/office/drawing/2014/main" id="{9B1BADE2-D4F5-B673-7AF4-94E1895DAE58}"/>
+                <a16:creationId xmlns:a16="http://schemas.microsoft.com/office/drawing/2014/main" id="{9589CB55-1049-D169-A651-54585ED6EDAD}"/>
               </a:ext>
             </a:extLst>
           </p:cNvPr>
@@ -2100,7 +2100,7 @@
           <p:cNvPr id="4" name="灯片编号占位符 3">
             <a:extLst>
               <a:ext uri="{FF2B5EF4-FFF2-40B4-BE49-F238E27FC236}">
-                <a16:creationId xmlns:a16="http://schemas.microsoft.com/office/drawing/2014/main" id="{96CD9909-3063-E244-D8B4-223938678EC9}"/>
+                <a16:creationId xmlns:a16="http://schemas.microsoft.com/office/drawing/2014/main" id="{57319BE2-E7BB-85BF-3D72-924DD658D53E}"/>
               </a:ext>
             </a:extLst>
           </p:cNvPr>
@@ -2116,7 +2116,7 @@
           <a:bodyPr/>
           <a:lstStyle/>
           <a:p>
-            <a:fld id="{315A110D-CD08-4B7A-BBA2-4D0516D72A64}" type="slidenum">
+            <a:fld id="{228B57C3-F726-490B-99DF-B367312F5154}" type="slidenum">
               <a:rPr lang="zh-CN" altLang="en-US" smtClean="0"/>
               <a:t>‹#›</a:t>
             </a:fld>
@@ -2127,7 +2127,7 @@
     </p:spTree>
     <p:extLst>
       <p:ext uri="{BB962C8B-B14F-4D97-AF65-F5344CB8AC3E}">
-        <p14:creationId xmlns:p14="http://schemas.microsoft.com/office/powerpoint/2010/main" val="770989936"/>
+        <p14:creationId xmlns:p14="http://schemas.microsoft.com/office/powerpoint/2010/main" val="964447257"/>
       </p:ext>
     </p:extLst>
   </p:cSld>
@@ -2159,7 +2159,7 @@
           <p:cNvPr id="2" name="标题 1">
             <a:extLst>
               <a:ext uri="{FF2B5EF4-FFF2-40B4-BE49-F238E27FC236}">
-                <a16:creationId xmlns:a16="http://schemas.microsoft.com/office/drawing/2014/main" id="{9ACCF5C7-FE0C-A41D-72F8-3300F665AD44}"/>
+                <a16:creationId xmlns:a16="http://schemas.microsoft.com/office/drawing/2014/main" id="{61860778-A446-2171-3656-5B702EB865FE}"/>
               </a:ext>
             </a:extLst>
           </p:cNvPr>
@@ -2196,7 +2196,7 @@
           <p:cNvPr id="3" name="内容占位符 2">
             <a:extLst>
               <a:ext uri="{FF2B5EF4-FFF2-40B4-BE49-F238E27FC236}">
-                <a16:creationId xmlns:a16="http://schemas.microsoft.com/office/drawing/2014/main" id="{7A782CE1-A3A6-D4BC-18F8-9C01CE7DAD2A}"/>
+                <a16:creationId xmlns:a16="http://schemas.microsoft.com/office/drawing/2014/main" id="{CBA6ECB6-F0CC-860C-2C98-03FA9435D7D9}"/>
               </a:ext>
             </a:extLst>
           </p:cNvPr>
@@ -2286,7 +2286,7 @@
           <p:cNvPr id="4" name="文本占位符 3">
             <a:extLst>
               <a:ext uri="{FF2B5EF4-FFF2-40B4-BE49-F238E27FC236}">
-                <a16:creationId xmlns:a16="http://schemas.microsoft.com/office/drawing/2014/main" id="{165E7C64-E628-DBAE-93EA-A4DD720F96AB}"/>
+                <a16:creationId xmlns:a16="http://schemas.microsoft.com/office/drawing/2014/main" id="{BE3E0B18-5B75-ECBD-598F-0E9DC01B08E6}"/>
               </a:ext>
             </a:extLst>
           </p:cNvPr>
@@ -2357,7 +2357,7 @@
           <p:cNvPr id="5" name="日期占位符 4">
             <a:extLst>
               <a:ext uri="{FF2B5EF4-FFF2-40B4-BE49-F238E27FC236}">
-                <a16:creationId xmlns:a16="http://schemas.microsoft.com/office/drawing/2014/main" id="{E50B20EE-E41B-81F9-5138-B0DC703007F5}"/>
+                <a16:creationId xmlns:a16="http://schemas.microsoft.com/office/drawing/2014/main" id="{8C1B3AB8-5EC2-8BF4-F94C-45AB7D64BD15}"/>
               </a:ext>
             </a:extLst>
           </p:cNvPr>
@@ -2373,7 +2373,7 @@
           <a:bodyPr/>
           <a:lstStyle/>
           <a:p>
-            <a:fld id="{ABF252B9-8E43-4310-B8B5-CCE905A823A3}" type="datetimeFigureOut">
+            <a:fld id="{BB0294CE-F299-4263-A440-F6E1A7011C9D}" type="datetimeFigureOut">
               <a:rPr lang="zh-CN" altLang="en-US" smtClean="0"/>
               <a:t>2024/3/10</a:t>
             </a:fld>
@@ -2386,7 +2386,7 @@
           <p:cNvPr id="6" name="页脚占位符 5">
             <a:extLst>
               <a:ext uri="{FF2B5EF4-FFF2-40B4-BE49-F238E27FC236}">
-                <a16:creationId xmlns:a16="http://schemas.microsoft.com/office/drawing/2014/main" id="{6354217F-8069-6D62-6032-3A2AD856BF7E}"/>
+                <a16:creationId xmlns:a16="http://schemas.microsoft.com/office/drawing/2014/main" id="{FA708BAB-0530-DAB1-8F2B-7E5F20B2499F}"/>
               </a:ext>
             </a:extLst>
           </p:cNvPr>
@@ -2411,7 +2411,7 @@
           <p:cNvPr id="7" name="灯片编号占位符 6">
             <a:extLst>
               <a:ext uri="{FF2B5EF4-FFF2-40B4-BE49-F238E27FC236}">
-                <a16:creationId xmlns:a16="http://schemas.microsoft.com/office/drawing/2014/main" id="{7CD768D0-4B62-E886-D0EB-6F6C68B487F6}"/>
+                <a16:creationId xmlns:a16="http://schemas.microsoft.com/office/drawing/2014/main" id="{9151A4AF-231D-418B-5123-0D55D2C8280E}"/>
               </a:ext>
             </a:extLst>
           </p:cNvPr>
@@ -2427,7 +2427,7 @@
           <a:bodyPr/>
           <a:lstStyle/>
           <a:p>
-            <a:fld id="{315A110D-CD08-4B7A-BBA2-4D0516D72A64}" type="slidenum">
+            <a:fld id="{228B57C3-F726-490B-99DF-B367312F5154}" type="slidenum">
               <a:rPr lang="zh-CN" altLang="en-US" smtClean="0"/>
               <a:t>‹#›</a:t>
             </a:fld>
@@ -2438,7 +2438,7 @@
     </p:spTree>
     <p:extLst>
       <p:ext uri="{BB962C8B-B14F-4D97-AF65-F5344CB8AC3E}">
-        <p14:creationId xmlns:p14="http://schemas.microsoft.com/office/powerpoint/2010/main" val="4205830075"/>
+        <p14:creationId xmlns:p14="http://schemas.microsoft.com/office/powerpoint/2010/main" val="719915606"/>
       </p:ext>
     </p:extLst>
   </p:cSld>
@@ -2470,7 +2470,7 @@
           <p:cNvPr id="2" name="标题 1">
             <a:extLst>
               <a:ext uri="{FF2B5EF4-FFF2-40B4-BE49-F238E27FC236}">
-                <a16:creationId xmlns:a16="http://schemas.microsoft.com/office/drawing/2014/main" id="{8C0F07C4-871F-349D-2C2A-9A4AF39CDC69}"/>
+                <a16:creationId xmlns:a16="http://schemas.microsoft.com/office/drawing/2014/main" id="{82745CD9-CF28-0AB6-DEE7-C71E261868BB}"/>
               </a:ext>
             </a:extLst>
           </p:cNvPr>
@@ -2507,7 +2507,7 @@
           <p:cNvPr id="3" name="图片占位符 2">
             <a:extLst>
               <a:ext uri="{FF2B5EF4-FFF2-40B4-BE49-F238E27FC236}">
-                <a16:creationId xmlns:a16="http://schemas.microsoft.com/office/drawing/2014/main" id="{9678485F-6BF9-DF19-D97B-49A8DC3DDA22}"/>
+                <a16:creationId xmlns:a16="http://schemas.microsoft.com/office/drawing/2014/main" id="{0CE70C7A-0052-1C6B-C2F4-70A240A6EB26}"/>
               </a:ext>
             </a:extLst>
           </p:cNvPr>
@@ -2574,7 +2574,7 @@
           <p:cNvPr id="4" name="文本占位符 3">
             <a:extLst>
               <a:ext uri="{FF2B5EF4-FFF2-40B4-BE49-F238E27FC236}">
-                <a16:creationId xmlns:a16="http://schemas.microsoft.com/office/drawing/2014/main" id="{BBABFD48-ED10-A0ED-B12F-9C96323603DC}"/>
+                <a16:creationId xmlns:a16="http://schemas.microsoft.com/office/drawing/2014/main" id="{A970F09F-F7D4-65A7-CE83-1D7C19B96404}"/>
               </a:ext>
             </a:extLst>
           </p:cNvPr>
@@ -2645,7 +2645,7 @@
           <p:cNvPr id="5" name="日期占位符 4">
             <a:extLst>
               <a:ext uri="{FF2B5EF4-FFF2-40B4-BE49-F238E27FC236}">
-                <a16:creationId xmlns:a16="http://schemas.microsoft.com/office/drawing/2014/main" id="{12C58AAD-A64E-A5FD-E0D0-EB066D80F2F7}"/>
+                <a16:creationId xmlns:a16="http://schemas.microsoft.com/office/drawing/2014/main" id="{CEFEC56E-DE17-2F5A-D99C-BF4504A522E3}"/>
               </a:ext>
             </a:extLst>
           </p:cNvPr>
@@ -2661,7 +2661,7 @@
           <a:bodyPr/>
           <a:lstStyle/>
           <a:p>
-            <a:fld id="{ABF252B9-8E43-4310-B8B5-CCE905A823A3}" type="datetimeFigureOut">
+            <a:fld id="{BB0294CE-F299-4263-A440-F6E1A7011C9D}" type="datetimeFigureOut">
               <a:rPr lang="zh-CN" altLang="en-US" smtClean="0"/>
               <a:t>2024/3/10</a:t>
             </a:fld>
@@ -2674,7 +2674,7 @@
           <p:cNvPr id="6" name="页脚占位符 5">
             <a:extLst>
               <a:ext uri="{FF2B5EF4-FFF2-40B4-BE49-F238E27FC236}">
-                <a16:creationId xmlns:a16="http://schemas.microsoft.com/office/drawing/2014/main" id="{8BBB213C-22AD-49B2-82A0-0791826B34F7}"/>
+                <a16:creationId xmlns:a16="http://schemas.microsoft.com/office/drawing/2014/main" id="{BBE4F3C1-227D-8775-9DD5-D7D4879C6BAA}"/>
               </a:ext>
             </a:extLst>
           </p:cNvPr>
@@ -2699,7 +2699,7 @@
           <p:cNvPr id="7" name="灯片编号占位符 6">
             <a:extLst>
               <a:ext uri="{FF2B5EF4-FFF2-40B4-BE49-F238E27FC236}">
-                <a16:creationId xmlns:a16="http://schemas.microsoft.com/office/drawing/2014/main" id="{CDFF0F62-F6D7-4E6C-1FFB-9AADB4B384FA}"/>
+                <a16:creationId xmlns:a16="http://schemas.microsoft.com/office/drawing/2014/main" id="{EE4E104A-A570-5D6D-7776-D0028B3CAAEE}"/>
               </a:ext>
             </a:extLst>
           </p:cNvPr>
@@ -2715,7 +2715,7 @@
           <a:bodyPr/>
           <a:lstStyle/>
           <a:p>
-            <a:fld id="{315A110D-CD08-4B7A-BBA2-4D0516D72A64}" type="slidenum">
+            <a:fld id="{228B57C3-F726-490B-99DF-B367312F5154}" type="slidenum">
               <a:rPr lang="zh-CN" altLang="en-US" smtClean="0"/>
               <a:t>‹#›</a:t>
             </a:fld>
@@ -2726,7 +2726,7 @@
     </p:spTree>
     <p:extLst>
       <p:ext uri="{BB962C8B-B14F-4D97-AF65-F5344CB8AC3E}">
-        <p14:creationId xmlns:p14="http://schemas.microsoft.com/office/powerpoint/2010/main" val="1206772969"/>
+        <p14:creationId xmlns:p14="http://schemas.microsoft.com/office/powerpoint/2010/main" val="2895546277"/>
       </p:ext>
     </p:extLst>
   </p:cSld>
@@ -2763,7 +2763,7 @@
           <p:cNvPr id="2" name="标题占位符 1">
             <a:extLst>
               <a:ext uri="{FF2B5EF4-FFF2-40B4-BE49-F238E27FC236}">
-                <a16:creationId xmlns:a16="http://schemas.microsoft.com/office/drawing/2014/main" id="{AE79F6D7-7CC3-FDEF-C1F7-C87CE4863004}"/>
+                <a16:creationId xmlns:a16="http://schemas.microsoft.com/office/drawing/2014/main" id="{77A6C674-7A6C-E000-E730-B2513AD04306}"/>
               </a:ext>
             </a:extLst>
           </p:cNvPr>
@@ -2801,7 +2801,7 @@
           <p:cNvPr id="3" name="文本占位符 2">
             <a:extLst>
               <a:ext uri="{FF2B5EF4-FFF2-40B4-BE49-F238E27FC236}">
-                <a16:creationId xmlns:a16="http://schemas.microsoft.com/office/drawing/2014/main" id="{B87A56C0-B5C4-C648-986F-91FA89EB9D90}"/>
+                <a16:creationId xmlns:a16="http://schemas.microsoft.com/office/drawing/2014/main" id="{588E6BD5-CB96-C1C1-EC72-0E3AC926EBEB}"/>
               </a:ext>
             </a:extLst>
           </p:cNvPr>
@@ -2868,7 +2868,7 @@
           <p:cNvPr id="4" name="日期占位符 3">
             <a:extLst>
               <a:ext uri="{FF2B5EF4-FFF2-40B4-BE49-F238E27FC236}">
-                <a16:creationId xmlns:a16="http://schemas.microsoft.com/office/drawing/2014/main" id="{A8BD7713-6CC8-6C2B-D820-7433C3BEAF8D}"/>
+                <a16:creationId xmlns:a16="http://schemas.microsoft.com/office/drawing/2014/main" id="{4C4F0356-989E-9602-6BE6-7B64BF6BEC1E}"/>
               </a:ext>
             </a:extLst>
           </p:cNvPr>
@@ -2902,7 +2902,7 @@
             </a:lvl1pPr>
           </a:lstStyle>
           <a:p>
-            <a:fld id="{ABF252B9-8E43-4310-B8B5-CCE905A823A3}" type="datetimeFigureOut">
+            <a:fld id="{BB0294CE-F299-4263-A440-F6E1A7011C9D}" type="datetimeFigureOut">
               <a:rPr lang="zh-CN" altLang="en-US" smtClean="0"/>
               <a:t>2024/3/10</a:t>
             </a:fld>
@@ -2915,7 +2915,7 @@
           <p:cNvPr id="5" name="页脚占位符 4">
             <a:extLst>
               <a:ext uri="{FF2B5EF4-FFF2-40B4-BE49-F238E27FC236}">
-                <a16:creationId xmlns:a16="http://schemas.microsoft.com/office/drawing/2014/main" id="{69E6BB47-D512-B112-5F57-78F03A91484E}"/>
+                <a16:creationId xmlns:a16="http://schemas.microsoft.com/office/drawing/2014/main" id="{66898508-4986-CD10-739B-9C85E565BEBE}"/>
               </a:ext>
             </a:extLst>
           </p:cNvPr>
@@ -2958,7 +2958,7 @@
           <p:cNvPr id="6" name="灯片编号占位符 5">
             <a:extLst>
               <a:ext uri="{FF2B5EF4-FFF2-40B4-BE49-F238E27FC236}">
-                <a16:creationId xmlns:a16="http://schemas.microsoft.com/office/drawing/2014/main" id="{EFF84084-F614-7605-A2DD-4CD4AA88BC9C}"/>
+                <a16:creationId xmlns:a16="http://schemas.microsoft.com/office/drawing/2014/main" id="{053F5909-BD9B-621B-BBE5-7362839F2E07}"/>
               </a:ext>
             </a:extLst>
           </p:cNvPr>
@@ -2992,7 +2992,7 @@
             </a:lvl1pPr>
           </a:lstStyle>
           <a:p>
-            <a:fld id="{315A110D-CD08-4B7A-BBA2-4D0516D72A64}" type="slidenum">
+            <a:fld id="{228B57C3-F726-490B-99DF-B367312F5154}" type="slidenum">
               <a:rPr lang="zh-CN" altLang="en-US" smtClean="0"/>
               <a:t>‹#›</a:t>
             </a:fld>
@@ -3003,7 +3003,7 @@
     </p:spTree>
     <p:extLst>
       <p:ext uri="{BB962C8B-B14F-4D97-AF65-F5344CB8AC3E}">
-        <p14:creationId xmlns:p14="http://schemas.microsoft.com/office/powerpoint/2010/main" val="1659054596"/>
+        <p14:creationId xmlns:p14="http://schemas.microsoft.com/office/powerpoint/2010/main" val="789511391"/>
       </p:ext>
     </p:extLst>
   </p:cSld>
@@ -3323,7 +3323,7 @@
       </p:grpSpPr>
       <p:pic>
         <p:nvPicPr>
-          <p:cNvPr id="1627138" name="Picture 2" descr="1588"/>
+          <p:cNvPr id="1628162" name="Picture 2" descr="1589"/>
           <p:cNvPicPr>
             <a:picLocks noChangeAspect="1" noChangeArrowheads="1"/>
           </p:cNvPicPr>
@@ -3344,8 +3344,8 @@
         </p:blipFill>
         <p:spPr bwMode="auto">
           <a:xfrm>
-            <a:off x="1524001" y="0"/>
-            <a:ext cx="9053513" cy="6789738"/>
+            <a:off x="1524000" y="1"/>
+            <a:ext cx="9124950" cy="5876925"/>
           </a:xfrm>
           <a:prstGeom prst="rect">
             <a:avLst/>
